--- a/MetSolution Tutorial/MetSolution - Tutorial.pptx
+++ b/MetSolution Tutorial/MetSolution - Tutorial.pptx
@@ -119,6 +119,11 @@
       </a:defRPr>
     </a:lvl9pPr>
   </p:defaultTextStyle>
+  <p:extLst>
+    <p:ext uri="{EFAFB233-063F-42B5-8137-9DF3F51BA10A}">
+      <p15:sldGuideLst xmlns:p15="http://schemas.microsoft.com/office/powerpoint/2012/main"/>
+    </p:ext>
+  </p:extLst>
 </p:presentation>
 </file>
 
@@ -5806,14 +5811,14 @@
           <a:lstStyle/>
           <a:p>
             <a:r>
-              <a:rPr kumimoji="1" lang="en-US" altLang="zh-CN" cap="none" dirty="0" err="1"/>
+              <a:rPr lang="en-US" altLang="zh-CN" cap="none" dirty="0" err="1"/>
               <a:t>MetSolution</a:t>
             </a:r>
             <a:r>
-              <a:rPr kumimoji="1" lang="en-US" altLang="zh-CN" dirty="0"/>
+              <a:rPr lang="en-US" altLang="zh-CN" dirty="0"/>
               <a:t> tutorial</a:t>
             </a:r>
-            <a:endParaRPr kumimoji="1" lang="zh-CN" altLang="en-US" dirty="0"/>
+            <a:endParaRPr lang="zh-CN" altLang="en-US" dirty="0"/>
           </a:p>
         </p:txBody>
       </p:sp>
@@ -5839,18 +5844,10 @@
           <a:lstStyle/>
           <a:p>
             <a:r>
-              <a:rPr kumimoji="1" lang="en-US" altLang="zh-CN" dirty="0"/>
-              <a:t>Aug 29</a:t>
-            </a:r>
-            <a:r>
-              <a:rPr kumimoji="1" lang="en-US" altLang="zh-CN" baseline="30000" dirty="0"/>
-              <a:t>th</a:t>
-            </a:r>
-            <a:r>
-              <a:rPr kumimoji="1" lang="en-US" altLang="zh-CN" dirty="0"/>
-              <a:t> 2019</a:t>
-            </a:r>
-            <a:endParaRPr kumimoji="1" lang="zh-CN" altLang="en-US" dirty="0"/>
+              <a:rPr lang="en-US" altLang="zh-CN" dirty="0"/>
+              <a:t>Aug 29th 2019</a:t>
+            </a:r>
+            <a:endParaRPr lang="zh-CN" altLang="en-US" dirty="0"/>
           </a:p>
         </p:txBody>
       </p:sp>
@@ -7152,7 +7149,7 @@
         <p:spPr>
           <a:xfrm>
             <a:off x="1017270" y="5623560"/>
-            <a:ext cx="3234690" cy="923330"/>
+            <a:ext cx="5182808" cy="646331"/>
           </a:xfrm>
           <a:prstGeom prst="rect">
             <a:avLst/>
@@ -7171,7 +7168,21 @@
                   <a:srgbClr val="FF0000"/>
                 </a:solidFill>
               </a:rPr>
-              <a:t>PLEASE SEE THE METSOLUTION VIDEO TUTORIAL – PROJECT BASED.MOV</a:t>
+              <a:t>PLEASE SEE THE VIDEO TUTORIAL (</a:t>
+            </a:r>
+            <a:r>
+              <a:rPr lang="en" altLang="zh-CN" u="sng" dirty="0">
+                <a:hlinkClick r:id="rId3"/>
+              </a:rPr>
+              <a:t>https://youtu.be/vmTf0dfFnqM</a:t>
+            </a:r>
+            <a:r>
+              <a:rPr kumimoji="1" lang="en-US" altLang="zh-CN" b="1" dirty="0">
+                <a:solidFill>
+                  <a:srgbClr val="FF0000"/>
+                </a:solidFill>
+              </a:rPr>
+              <a:t>)</a:t>
             </a:r>
             <a:endParaRPr kumimoji="1" lang="zh-CN" altLang="en-US" b="1" dirty="0">
               <a:solidFill>

--- a/MetSolution Tutorial/MetSolution - Tutorial.pptx
+++ b/MetSolution Tutorial/MetSolution - Tutorial.pptx
@@ -7463,7 +7463,7 @@
             </a:r>
             <a:r>
               <a:rPr kumimoji="1" lang="en-US" altLang="zh-CN" dirty="0"/>
-              <a:t> is currently under development. </a:t>
+              <a:t> is currently under development and will be submit for peer review in Oct 2019.</a:t>
             </a:r>
           </a:p>
           <a:p>
@@ -7473,11 +7473,15 @@
             </a:pPr>
             <a:r>
               <a:rPr kumimoji="1" lang="en-US" altLang="zh-CN" dirty="0"/>
-              <a:t>Any question/recommendation, please contact </a:t>
+              <a:t>Any question/recommendation, please feel free to contact </a:t>
             </a:r>
             <a:r>
               <a:rPr kumimoji="1" lang="en-US" altLang="zh-CN" dirty="0" err="1"/>
               <a:t>slfan@ucdavis.edu</a:t>
+            </a:r>
+            <a:r>
+              <a:rPr kumimoji="1" lang="en-US" altLang="zh-CN" dirty="0"/>
+              <a:t>.</a:t>
             </a:r>
             <a:endParaRPr kumimoji="1" lang="zh-CN" altLang="en-US" dirty="0"/>
           </a:p>
@@ -7717,9 +7721,103 @@
             </a:r>
             <a:r>
               <a:rPr kumimoji="1" lang="en-US" altLang="zh-CN" dirty="0"/>
-              <a:t> will reset its every settings associated with your browser. When you click, you’ll lose every projects. This is for purpose of debugging.</a:t>
+              <a:t> will reset its every settings associated with your browser. When you click, you’ll lose all the projects. This is for the purpose of debugging. </a:t>
             </a:r>
             <a:endParaRPr kumimoji="1" lang="zh-CN" altLang="en-US" dirty="0"/>
+          </a:p>
+        </p:txBody>
+      </p:sp>
+      <p:cxnSp>
+        <p:nvCxnSpPr>
+          <p:cNvPr id="5" name="直线箭头连接符 4">
+            <a:extLst>
+              <a:ext uri="{FF2B5EF4-FFF2-40B4-BE49-F238E27FC236}">
+                <a16:creationId xmlns:a16="http://schemas.microsoft.com/office/drawing/2014/main" id="{FECA8884-7B86-B340-BEC0-79DC18AF8FE1}"/>
+              </a:ext>
+            </a:extLst>
+          </p:cNvPr>
+          <p:cNvCxnSpPr/>
+          <p:nvPr/>
+        </p:nvCxnSpPr>
+        <p:spPr>
+          <a:xfrm flipV="1">
+            <a:off x="9500839" y="2635837"/>
+            <a:ext cx="1182029" cy="2304153"/>
+          </a:xfrm>
+          <a:prstGeom prst="straightConnector1">
+            <a:avLst/>
+          </a:prstGeom>
+          <a:ln w="38100">
+            <a:solidFill>
+              <a:srgbClr val="FF0000"/>
+            </a:solidFill>
+            <a:tailEnd type="triangle"/>
+          </a:ln>
+        </p:spPr>
+        <p:style>
+          <a:lnRef idx="1">
+            <a:schemeClr val="accent1"/>
+          </a:lnRef>
+          <a:fillRef idx="0">
+            <a:schemeClr val="accent1"/>
+          </a:fillRef>
+          <a:effectRef idx="0">
+            <a:schemeClr val="accent1"/>
+          </a:effectRef>
+          <a:fontRef idx="minor">
+            <a:schemeClr val="tx1"/>
+          </a:fontRef>
+        </p:style>
+      </p:cxnSp>
+      <p:sp>
+        <p:nvSpPr>
+          <p:cNvPr id="7" name="矩形 6">
+            <a:extLst>
+              <a:ext uri="{FF2B5EF4-FFF2-40B4-BE49-F238E27FC236}">
+                <a16:creationId xmlns:a16="http://schemas.microsoft.com/office/drawing/2014/main" id="{78448E2C-CBE6-C744-B67B-2F195036EA29}"/>
+              </a:ext>
+            </a:extLst>
+          </p:cNvPr>
+          <p:cNvSpPr/>
+          <p:nvPr/>
+        </p:nvSpPr>
+        <p:spPr>
+          <a:xfrm>
+            <a:off x="4380186" y="3429000"/>
+            <a:ext cx="1050458" cy="273205"/>
+          </a:xfrm>
+          <a:prstGeom prst="rect">
+            <a:avLst/>
+          </a:prstGeom>
+          <a:noFill/>
+          <a:ln>
+            <a:solidFill>
+              <a:srgbClr val="00B050"/>
+            </a:solidFill>
+          </a:ln>
+        </p:spPr>
+        <p:style>
+          <a:lnRef idx="2">
+            <a:schemeClr val="accent1">
+              <a:shade val="50000"/>
+            </a:schemeClr>
+          </a:lnRef>
+          <a:fillRef idx="1">
+            <a:schemeClr val="accent1"/>
+          </a:fillRef>
+          <a:effectRef idx="0">
+            <a:schemeClr val="accent1"/>
+          </a:effectRef>
+          <a:fontRef idx="minor">
+            <a:schemeClr val="lt1"/>
+          </a:fontRef>
+        </p:style>
+        <p:txBody>
+          <a:bodyPr rtlCol="0" anchor="ctr"/>
+          <a:lstStyle/>
+          <a:p>
+            <a:pPr algn="ctr"/>
+            <a:endParaRPr kumimoji="1" lang="zh-CN" altLang="en-US"/>
           </a:p>
         </p:txBody>
       </p:sp>
